--- a/01 Living Standards Across Space and Time.pptx
+++ b/01 Living Standards Across Space and Time.pptx
@@ -223,7 +223,7 @@
           <a:p>
             <a:fld id="{CD746E05-C34E-0B4C-AC70-06C9A0F8643C}" type="datetimeFigureOut">
               <a:rPr lang="en-US" smtClean="0"/>
-              <a:t>9/7/21</a:t>
+              <a:t>10/2/21</a:t>
             </a:fld>
             <a:endParaRPr lang="en-US"/>
           </a:p>
@@ -3751,7 +3751,7 @@
             <a:fld id="{CCBEB372-AF32-C642-9DDD-239D8704FBC0}" type="datetimeFigureOut">
               <a:rPr lang="en-US" smtClean="0"/>
               <a:pPr/>
-              <a:t>9/7/21</a:t>
+              <a:t>10/2/21</a:t>
             </a:fld>
             <a:endParaRPr lang="en-US" dirty="0"/>
           </a:p>
@@ -4331,7 +4331,11 @@
             </a:pPr>
             <a:r>
               <a:rPr lang="en-US" dirty="0"/>
-              <a:t>September 15, 2020</a:t>
+              <a:t>September 15</a:t>
+            </a:r>
+            <a:r>
+              <a:rPr lang="en-US"/>
+              <a:t>, 2021</a:t>
             </a:r>
             <a:endParaRPr dirty="0"/>
           </a:p>
@@ -4484,8 +4488,8 @@
           </a:p>
         </p:txBody>
       </p:sp>
-      <mc:AlternateContent xmlns:mc="http://schemas.openxmlformats.org/markup-compatibility/2006">
-        <mc:Choice xmlns:a14="http://schemas.microsoft.com/office/drawing/2010/main" Requires="a14">
+      <mc:AlternateContent xmlns:mc="http://schemas.openxmlformats.org/markup-compatibility/2006" xmlns:a14="http://schemas.microsoft.com/office/drawing/2010/main">
+        <mc:Choice Requires="a14">
           <p:sp>
             <p:nvSpPr>
               <p:cNvPr id="90" name="Google Shape;90;p3"/>
@@ -4843,7 +4847,7 @@
             </p:txBody>
           </p:sp>
         </mc:Choice>
-        <mc:Fallback>
+        <mc:Fallback xmlns="">
           <p:sp>
             <p:nvSpPr>
               <p:cNvPr id="90" name="Google Shape;90;p3"/>
@@ -5366,8 +5370,8 @@
           </a:p>
         </p:txBody>
       </p:sp>
-      <mc:AlternateContent xmlns:mc="http://schemas.openxmlformats.org/markup-compatibility/2006">
-        <mc:Choice xmlns:a14="http://schemas.microsoft.com/office/drawing/2010/main" Requires="a14">
+      <mc:AlternateContent xmlns:mc="http://schemas.openxmlformats.org/markup-compatibility/2006" xmlns:a14="http://schemas.microsoft.com/office/drawing/2010/main">
+        <mc:Choice Requires="a14">
           <p:sp>
             <p:nvSpPr>
               <p:cNvPr id="3" name="Content Placeholder 2"/>
@@ -5701,7 +5705,7 @@
             </p:txBody>
           </p:sp>
         </mc:Choice>
-        <mc:Fallback>
+        <mc:Fallback xmlns="">
           <p:sp>
             <p:nvSpPr>
               <p:cNvPr id="3" name="Content Placeholder 2"/>
@@ -6209,8 +6213,8 @@
           </a:p>
         </p:txBody>
       </p:sp>
-      <mc:AlternateContent xmlns:mc="http://schemas.openxmlformats.org/markup-compatibility/2006">
-        <mc:Choice xmlns:a14="http://schemas.microsoft.com/office/drawing/2010/main" Requires="a14">
+      <mc:AlternateContent xmlns:mc="http://schemas.openxmlformats.org/markup-compatibility/2006" xmlns:a14="http://schemas.microsoft.com/office/drawing/2010/main">
+        <mc:Choice Requires="a14">
           <p:sp>
             <p:nvSpPr>
               <p:cNvPr id="3" name="Content Placeholder 2"/>
@@ -6372,7 +6376,7 @@
             </p:txBody>
           </p:sp>
         </mc:Choice>
-        <mc:Fallback>
+        <mc:Fallback xmlns="">
           <p:sp>
             <p:nvSpPr>
               <p:cNvPr id="3" name="Content Placeholder 2"/>
@@ -9524,8 +9528,8 @@
           </a:p>
         </p:txBody>
       </p:sp>
-      <mc:AlternateContent xmlns:mc="http://schemas.openxmlformats.org/markup-compatibility/2006">
-        <mc:Choice xmlns:a14="http://schemas.microsoft.com/office/drawing/2010/main" Requires="a14">
+      <mc:AlternateContent xmlns:mc="http://schemas.openxmlformats.org/markup-compatibility/2006" xmlns:a14="http://schemas.microsoft.com/office/drawing/2010/main">
+        <mc:Choice Requires="a14">
           <p:sp>
             <p:nvSpPr>
               <p:cNvPr id="3" name="Content Placeholder 2"/>
@@ -9690,31 +9694,7 @@
                         <a:rPr lang="en-US" b="0" i="1" smtClean="0">
                           <a:latin typeface="Cambria Math" panose="02040503050406030204" pitchFamily="18" charset="0"/>
                         </a:rPr>
-                        <m:t>=</m:t>
-                      </m:r>
-                      <m:r>
-                        <a:rPr lang="en-US" b="0" i="1" smtClean="0">
-                          <a:latin typeface="Cambria Math" panose="02040503050406030204" pitchFamily="18" charset="0"/>
-                        </a:rPr>
-                        <m:t>−0.0352</m:t>
-                      </m:r>
-                      <m:r>
-                        <a:rPr lang="en-US" b="0" i="1" smtClean="0">
-                          <a:latin typeface="Cambria Math" panose="02040503050406030204" pitchFamily="18" charset="0"/>
-                        </a:rPr>
-                        <m:t>=</m:t>
-                      </m:r>
-                      <m:r>
-                        <a:rPr lang="en-US" b="0" i="1" smtClean="0">
-                          <a:latin typeface="Cambria Math" panose="02040503050406030204" pitchFamily="18" charset="0"/>
-                        </a:rPr>
-                        <m:t>−3.52</m:t>
-                      </m:r>
-                      <m:r>
-                        <a:rPr lang="en-US" b="0" i="1" smtClean="0">
-                          <a:latin typeface="Cambria Math" panose="02040503050406030204" pitchFamily="18" charset="0"/>
-                        </a:rPr>
-                        <m:t>%</m:t>
+                        <m:t>=−0.0352=−3.52%</m:t>
                       </m:r>
                     </m:oMath>
                   </m:oMathPara>
@@ -9724,7 +9704,7 @@
             </p:txBody>
           </p:sp>
         </mc:Choice>
-        <mc:Fallback>
+        <mc:Fallback xmlns="">
           <p:sp>
             <p:nvSpPr>
               <p:cNvPr id="3" name="Content Placeholder 2"/>
